--- a/INFO 4602 5602 - Individual Project Presentation Final Report - Dashboards Rohith Peddi.pptx
+++ b/INFO 4602 5602 - Individual Project Presentation Final Report - Dashboards Rohith Peddi.pptx
@@ -269,7 +269,7 @@
           <a:p>
             <a:fld id="{09AD4CF9-B104-4F74-A7DE-ABDD60EE3A28}" type="datetimeFigureOut">
               <a:rPr lang="en-US" smtClean="0"/>
-              <a:t>4/6/25</a:t>
+              <a:t>4/8/25</a:t>
             </a:fld>
             <a:endParaRPr lang="en-US"/>
           </a:p>
@@ -467,7 +467,7 @@
           <a:p>
             <a:fld id="{09AD4CF9-B104-4F74-A7DE-ABDD60EE3A28}" type="datetimeFigureOut">
               <a:rPr lang="en-US" smtClean="0"/>
-              <a:t>4/6/25</a:t>
+              <a:t>4/8/25</a:t>
             </a:fld>
             <a:endParaRPr lang="en-US"/>
           </a:p>
@@ -675,7 +675,7 @@
           <a:p>
             <a:fld id="{09AD4CF9-B104-4F74-A7DE-ABDD60EE3A28}" type="datetimeFigureOut">
               <a:rPr lang="en-US" smtClean="0"/>
-              <a:t>4/6/25</a:t>
+              <a:t>4/8/25</a:t>
             </a:fld>
             <a:endParaRPr lang="en-US"/>
           </a:p>
@@ -873,7 +873,7 @@
           <a:p>
             <a:fld id="{09AD4CF9-B104-4F74-A7DE-ABDD60EE3A28}" type="datetimeFigureOut">
               <a:rPr lang="en-US" smtClean="0"/>
-              <a:t>4/6/25</a:t>
+              <a:t>4/8/25</a:t>
             </a:fld>
             <a:endParaRPr lang="en-US"/>
           </a:p>
@@ -1148,7 +1148,7 @@
           <a:p>
             <a:fld id="{09AD4CF9-B104-4F74-A7DE-ABDD60EE3A28}" type="datetimeFigureOut">
               <a:rPr lang="en-US" smtClean="0"/>
-              <a:t>4/6/25</a:t>
+              <a:t>4/8/25</a:t>
             </a:fld>
             <a:endParaRPr lang="en-US"/>
           </a:p>
@@ -1413,7 +1413,7 @@
           <a:p>
             <a:fld id="{09AD4CF9-B104-4F74-A7DE-ABDD60EE3A28}" type="datetimeFigureOut">
               <a:rPr lang="en-US" smtClean="0"/>
-              <a:t>4/6/25</a:t>
+              <a:t>4/8/25</a:t>
             </a:fld>
             <a:endParaRPr lang="en-US"/>
           </a:p>
@@ -1825,7 +1825,7 @@
           <a:p>
             <a:fld id="{09AD4CF9-B104-4F74-A7DE-ABDD60EE3A28}" type="datetimeFigureOut">
               <a:rPr lang="en-US" smtClean="0"/>
-              <a:t>4/6/25</a:t>
+              <a:t>4/8/25</a:t>
             </a:fld>
             <a:endParaRPr lang="en-US"/>
           </a:p>
@@ -1966,7 +1966,7 @@
           <a:p>
             <a:fld id="{09AD4CF9-B104-4F74-A7DE-ABDD60EE3A28}" type="datetimeFigureOut">
               <a:rPr lang="en-US" smtClean="0"/>
-              <a:t>4/6/25</a:t>
+              <a:t>4/8/25</a:t>
             </a:fld>
             <a:endParaRPr lang="en-US"/>
           </a:p>
@@ -2079,7 +2079,7 @@
           <a:p>
             <a:fld id="{09AD4CF9-B104-4F74-A7DE-ABDD60EE3A28}" type="datetimeFigureOut">
               <a:rPr lang="en-US" smtClean="0"/>
-              <a:t>4/6/25</a:t>
+              <a:t>4/8/25</a:t>
             </a:fld>
             <a:endParaRPr lang="en-US"/>
           </a:p>
@@ -2390,7 +2390,7 @@
           <a:p>
             <a:fld id="{09AD4CF9-B104-4F74-A7DE-ABDD60EE3A28}" type="datetimeFigureOut">
               <a:rPr lang="en-US" smtClean="0"/>
-              <a:t>4/6/25</a:t>
+              <a:t>4/8/25</a:t>
             </a:fld>
             <a:endParaRPr lang="en-US"/>
           </a:p>
@@ -2678,7 +2678,7 @@
           <a:p>
             <a:fld id="{09AD4CF9-B104-4F74-A7DE-ABDD60EE3A28}" type="datetimeFigureOut">
               <a:rPr lang="en-US" smtClean="0"/>
-              <a:t>4/6/25</a:t>
+              <a:t>4/8/25</a:t>
             </a:fld>
             <a:endParaRPr lang="en-US"/>
           </a:p>
@@ -2919,7 +2919,7 @@
           <a:p>
             <a:fld id="{09AD4CF9-B104-4F74-A7DE-ABDD60EE3A28}" type="datetimeFigureOut">
               <a:rPr lang="en-US" smtClean="0"/>
-              <a:t>4/6/25</a:t>
+              <a:t>4/8/25</a:t>
             </a:fld>
             <a:endParaRPr lang="en-US"/>
           </a:p>
@@ -3411,7 +3411,7 @@
         <p:spPr/>
         <p:txBody>
           <a:bodyPr>
-            <a:normAutofit lnSpcReduction="10000"/>
+            <a:normAutofit/>
           </a:bodyPr>
           <a:lstStyle/>
           <a:p>
@@ -3423,11 +3423,8 @@
           <a:p>
             <a:r>
               <a:rPr lang="en-US" b="1" dirty="0"/>
-              <a:t>(My Dashboard Report)</a:t>
-            </a:r>
-          </a:p>
-          <a:p>
-            <a:endParaRPr lang="en-US" b="1" dirty="0"/>
+              <a:t>Dashboard on Healthcare Data by ONYX</a:t>
+            </a:r>
           </a:p>
           <a:p>
             <a:r>
@@ -3596,19 +3593,17 @@
       </p:grpSpPr>
       <p:pic>
         <p:nvPicPr>
-          <p:cNvPr id="5" name="Content Placeholder 4" descr="A screenshot of a computer&#10;&#10;AI-generated content may be incorrect.">
-            <a:extLst>
-              <a:ext uri="{FF2B5EF4-FFF2-40B4-BE49-F238E27FC236}">
-                <a16:creationId xmlns:a16="http://schemas.microsoft.com/office/drawing/2014/main" id="{E323D9AD-0EEB-E4CB-FE4B-48A3C6C7DCB7}"/>
+          <p:cNvPr id="6" name="Picture 5" descr="A screenshot of a computer&#10;&#10;AI-generated content may be incorrect.">
+            <a:extLst>
+              <a:ext uri="{FF2B5EF4-FFF2-40B4-BE49-F238E27FC236}">
+                <a16:creationId xmlns:a16="http://schemas.microsoft.com/office/drawing/2014/main" id="{D690F070-23F0-BECE-BFB9-49391974A4C9}"/>
               </a:ext>
             </a:extLst>
           </p:cNvPr>
           <p:cNvPicPr>
-            <a:picLocks noGrp="1" noChangeAspect="1"/>
+            <a:picLocks noChangeAspect="1"/>
           </p:cNvPicPr>
-          <p:nvPr>
-            <p:ph idx="1"/>
-          </p:nvPr>
+          <p:nvPr/>
         </p:nvPicPr>
         <p:blipFill>
           <a:blip r:embed="rId2">
@@ -3624,9 +3619,12 @@
         </p:blipFill>
         <p:spPr>
           <a:xfrm>
-            <a:off x="939800" y="0"/>
-            <a:ext cx="10312400" cy="6706569"/>
+            <a:off x="823373" y="0"/>
+            <a:ext cx="10658877" cy="6931895"/>
           </a:xfrm>
+          <a:prstGeom prst="rect">
+            <a:avLst/>
+          </a:prstGeom>
         </p:spPr>
       </p:pic>
     </p:spTree>
@@ -5183,7 +5181,7 @@
     <we:property name="Microsoft.Office.CampaignId" value="&quot;none&quot;"/>
     <we:property name="artifactViewState" value="&quot;live&quot;"/>
     <we:property name="backgroundColor" value="&quot;#FFFFFF&quot;"/>
-    <we:property name="bookmark" value="&quot;H4sIAAAAAAAAA+1a227bOBD9FUMv2QWMQqLuecu1G7S7CJKii0WRB15GDlta0lJUNm7gf98hJTW167jpom4cd18MaXiZmXOGmiHpO0/IplZ09gedgrfvHVbVhynVH0aBN/bKTkZFRP2I5RFhaRSLImLAsLWqjazKxtu/8wzVEzBvZdNSZSdC4TtPFAWIOAEa+FmRsCgSSeJdjT2q1Dmd2D4FVQ2MvRp0U5VUyY/QTYFNRrcwH3twW6tKU6vo0lADVtkNdsd3NCx4EVgzKTfyBi6Bm06cZGkUET9NGGOBD3mWkBC7NV0HZ/DKLnZup/+oKg2VJeqxspV+oLyQyvRd2OzkttboNEIxqy1mR2jspNKSU+U5NzQ0ndV33lGl2ql7OlmQX1at5nABhWsqjTQznOmcakQUNXlzBORcVwjXiobr6p8jDahVePv+/AoljSwnqkf03rc3nX2NkhxHIovsPeLivJgCsmgfJoC+20HoT90plNDc+7z49Hbgg4y9U11N3bA+nGrUsMKTsdeZgYaOvT+vQYMbhLgLaXo0zpYQavouj8Cue3HqH8JsdCpBiQbb0YK3VLUuZlHBa2k63+86MQ7a29s7pobu7b17CaUAfbVnh13N8Wfe/QwxiJrefxZln+bdCOeWY075NYhTx8Vxt5DPDEw7nVLYSRuOo89EF3jTmmrZDGE4vL2SpY2asfcaCrOJCL1He+xdyMm1U/JYpOd21OJXqmv1OuiDLI7DAlIai4RkSe7TlP/A9WkNXnZ8sO87r0thVX25KKeVcM3gfFwN7CFtJO/R3EDArgXhyjFIGclYmGVZERGeBYFPxFPTdKiqSowc8j83VQtAdHSxnGZJ5BcBo0mahySFhD0xXQcTGL3UVVv/5Gx9jsNVVyTRshlKpE6LrlRXhfWaMcspuAHVtf7dgp6hKtfDqnhxPyf2lA0aqWjdWGxtJYYiAc6kVzDbiBtW6bksy0Gjleiqcoli0D2AWLZK9WALTjAF5nGQpGEahTnxWbrNH5XxJyMOxA0tOUqXLTiYTDRM6FAGnXxn885xZoRzdHbsWk7bsi+byX9YVEYDTGm9sKoeWgId1Rv7XoVMZCJMOC1CQvKURMDJtlYBOxYFoipbc3RNtVkOhEojAIczB/mx1MMODTcKJ9virf3QrIzXPjZmm6mGQj+OswRzahgFeZaFMWfZFqfXHYtYrtoGYQZxSPX/gfst1YaL3YJipsXEmySE5j7PgAQPx25/iJRnEfGLJM5jP0lp6ucRo4j6TkUV1eJZBpIVAW6gixhSnjIqgowGlH69knoq2n4HgR9BN/tO07bOz462LCiixI+ggCgobB4JH3H48bS0qdH9Od9PwN5adzsSQz8MOMujMEkKkvGYsbjYWhLfQGNGF9C0yjS7zd96Tzvq/CLKaAGJH4YBbjxIkEaujlu/bYJbw6rbRbfdUSbGAOdxngJJwtSnEWFrMusPqQpXB/GzqQ7jddZu8XEVe6aFafzjCtNVkWlxrRe1XoKWmzl6G3/ukT2UQslfw6M1ZLj+WLZjOE/cyEWgxH3mrbvNUVBOzLW3H/R1u4+1HWQZCQrmM44PGY+2Ns0cSqVwgYwOplVbmqUoC3Yr0XzN175CD5kQAWQiZMhHwgnNwq2lr4u9UVWMGkNnvwg6a37dbRIf53F/bE0CnhIKPpA0zCHG4uHrK3Gz2eqLYudpkua3lRubteW3qqmlwamfaQ3xAWbHWtq/y/QdlupNlxRWXYdVrWlqyuGclrDiWszdNwkQ/fNDV2Pu3z2fLsbm838BEN12Y2skAAA=&quot;"/>
+    <we:property name="bookmark" value="&quot;H4sIAAAAAAAAA+1aWW/bOBD+K4ZesgsYhUTqoPKWsxu0uwiaoruLIg88Ro5aWdJSVBo38H/fISU1tddxj60T1+2LQfGY45uPmhHpW0/lTV3w2R98Ct6+d1hVb6dcvx0F3tgruz4WQBJnieSCCxbEKU8jgaNVbfKqbLz9W89wPQHzKm9aXlhB2Pn6cuzxojjnE/uU8aKBsVeDbqqSF/l76CbjkNEtzMce3NRFpbkVeWG4ASv2GqfjM5oQPAmsQVya/BouQJquO2ZJGBI/iYUQgQ8piwnFaU03wZm2coqV7fQfVaXheYl6bJ/KMlBRDDzwWRaLMFRxbPuzvDD9FDE7uak1uodOz2qLzhEaO6l0LnnhOTc0NJ3Vt95RVbRT1zpZ6L+oWi3hBWRuqDS5maGkc64RO9TkzRGQc10hXCsGrqp3RxpQq/L2/fkl9jR5OSl6RO98e9nZ1xS5xJUYL/EGcXFeTAHjZRsTQN/tIvSn7hTm0Nz5vNh6NcSDjL1TXU3dsp44NWpY4cnY68xAQ8fen1egwS1C3FVuejTOlhBq+imfgV334NTfh9noNIdCNTiOFrziRevYiQqe56bz/bbrxkV7e3vH3PC9vddPoVSgL/fssss5/sznToDC4RVoTSvl8ARHjtWyj3GFqt6VVmYncSA0mv3mI8p+MHIjBLKEkVxegTp1gT3u9v+ZgWmnM1dWaCNx9ZnqWDytuc6bgdPD07O8tBQce88hM5ug+13oxt6LfHJl7oN2VdjmdtXiy60b9TroAxZFNIOERyomLE59nsgH3OzW4GXHB/u+8Sbfas6uxeHSBZELwgRljGUhkSwIfKIeO1KHRVWpkQP/h4/WAhZdxETKWRz6WSB4nKSUJBCLR47YwQRGT3XV1j8D9jEUl13pxctmKLw6LboqXGvQjKmvgGsoutF/WtAzVOVmWBVP7mTizLxBIwteNxZeW99hlwJn0jOYbcQNq/Q8L8tBo+3RVeUyxqB7ALFsi6IHW0mCuTCNgjihSUhT4otkm18t4w9GHKhrXkrsXbbgYDLRMOFDcXXyjc07R8kI5+js2I2ctmVfjJOv2FdGA0x5vbCx7tsCXag39sqiQjFFY8kzSkiakBAk2dZyYMdYoKqyNUdXXJtlIlQaATicOciPcz189+Hnx8m2eGtfNCv52nNjtpmaiPpRxGJMqzQMUsZoJAXb4gy7Y4yVRdsgzKAOuf5J3C+pNhx3M46ZFhNvHBOe+pIBCe7nbn8IlbKQ+FkcpZEfJzzx01BwRH2nWMW1+i6JZLsAv6SzCBKZCK4CxgPOP11JPVbYfgeFL0EnfafDts7PLmwsyMLYDyGDMMhsHqGfcQryuGErRnenhz9A9Na62wWR+jSQIg1pHGeEyUiIKNvaIL6ExoxeQNMWptnt+K33tD+FxKhJGaUJkJgmPg+JWJMLH6SOW02776aei9ZZu63nt+I7rSOjh6sjV9HS4lovar0AnW/gIHr8sTv2AAl7/h6a1orhzmLZiOH4byNXgTmad+OuYAooJ+bK2w/6GtvHOgwYI0EmfCGxwWS4tSnhMC8K3B2jg2nVlmaJYsFuJYVP+dpX01QoFQBTVGA8Ykk4o1sbvo57oyobNYbPflF81vy620H8PI/7I2YSyIRw8IEkNIWI0uDTO3Gzeeo/hcnjpMsvKzQ2a8tvVVPnBkU/ngn/64bqLcyOdW7/MNNPWNg47iMhkD61d6g0oUREUjG6vV96X/dKefyq9Esz2YNxS01zt+zr76wlN8iTlVXqyvLvL8ejreBJVxKFIiYho0EakSxMaZpC4C5o199QwY0R1c3ydnICV10GV61pai7hnJew4lLYXbUqUH37voth93e5D3fC8/m/hdpY36YnAAA=&quot;"/>
     <we:property name="creatorSessionId" value="&quot;5224898c-df64-4362-91ff-4643375d2e75&quot;"/>
     <we:property name="creatorTenantId" value="&quot;3ded8b1b-070d-4629-82e4-c0b019f46057&quot;"/>
     <we:property name="creatorUserId" value="&quot;100320029EBCE032&quot;"/>
@@ -5191,6 +5189,7 @@
     <we:property name="embedUrl" value="&quot;/reportEmbed?reportId=4e95b82e-3773-43fd-92bb-81e99231a394&amp;config=eyJjbHVzdGVyVXJsIjoiaHR0cHM6Ly9XQUJJLVdFU1QtVVMtQy1QUklNQVJZLXJlZGlyZWN0LmFuYWx5c2lzLndpbmRvd3MubmV0IiwiZW1iZWRGZWF0dXJlcyI6eyJ1c2FnZU1ldHJpY3NWTmV4dCI6dHJ1ZX19&amp;disableSensitivityBanner=true&amp;storytellingChangeViewModeShortcutKeys=true&quot;"/>
     <we:property name="initialStateBookmark" value="&quot;H4sIAAAAAAAAA+1abW/bNhD+K4a+dAOMQqLeqHzL27ohSxs0RYFhCIYjeXLUMKJGSWm8wP99R8puG89z2qFuHHffpCN9L89z1B1J3wWqahsN05dwjcFecGDM1TXYq1EUjIN6Lnv16uR0//XJHy/3T49JbJquMnUb7N0FHdgJdm+rtgftNJDw94txAFqfwcS9laBbHAcN2tbUoKu/cJhMQ53tcTYO8LbRxoJTed5Bh07tDU2nd7IdPY+cJyC76gbPUXaDOON5krAwz4QQUYgFz1hM09phgndt5RSn29s/NHUHVU12nEyVJao0Q4hCXmYiSVSWOXlZ6W4+RUyPbxtL4VHQ08bBckjOToytJOjAh2GxHby+Cw6N7q/90/E9+bnprcTXWPqhuqu6KWk6A0vYkaVgRoCcWUNwrRi4NO8PLZJVFeyFswuStFU90XNEP8b2ZvCv1ZWkXxJf4h3h4qKYLZAkG+8+weot6N5ztxHPL2ZuMOJpGpeYQ6oyxrMihFx+Q4yPoINlJ19grb4atsE10lrw2eRMuSCawVSFw7hRfhh9jHfBrxXFPej2+JPaZwfQVvIZeTTzsH1tutaCMNAEgnERc87LhEkeRSFTj03TgTZGjTzy3zdV94AY6BIF8CwJy0hAlhcxyzETj0zX/gRHL6zpm++crU9xuBgKHdTtoswNVqzR/mlhmWqnxhvUw+ifPdopmfIznInnH3XSzKolJzU0rcPWVVMSKfQuneB0I2E4o2dVXS8sOok1pnNaFrYXINa91nOwlWQSZJFGWR7nSVywUOTb/FEZf3BiX91ALUm67MH+ZGJxAt389fgru3dGmgnO0S9HfuSnvp63Puw/LKrOIl5D81mtwED1xr5XsVBcxZmEMmasyFmCkm1rF7BjWaBM3XeHl2C75UQwlgA4mHrIjyq76LLZeMnxR4zWfWhW5us8N6ab6YbiME15RjU1TqKC8ziVgm9xed2xjJW6bwlmVAdg/0/cL+k2fO6WQJWWCm+WMShCyZFF/567871+wWnPXGZpkYZZDnlYJAII9Z3KKrDqSSaSEyFtoMsUc5kLUBGHCODhTuqxaDtFRR9Br32naVsX50Abj8okCxMsMYlKV0fizzj8eFza9OjQ1Kr6XthbG+5AYhzGkRRFEmdZybhMhUjLrSXxDbbd6DW2vSa4d5q/9ZEO1IVlwqHELIzjiDYeLMoT38et3zbhbSfM7f2w/VEm5YCUaZEjy+I8hISJNZX1m3SFq5P4yXSH6Tpvt/i4SjzRxjT9do3pqsx0uDb3rZ6jrTZz9Db+NCJ3KEWS3xaPzpHFVcWyH4vzxI1c5lS0z7ylHHMHfvWkuwz2onnfHlJvh5yzqBShkPTAZbK1Zeag0poWyGj/2vR1t5Rl0W4VmodinXfosVAqQq5iQXxkkgGPt5a+IfdGphy1HUx/UDBtf9xtEj8v4vmxNYtkzgBDZHlcYErNw8MrcbPV6h/NzuMUzS9rNzbry8+mbaqOVD/RHuIKp0e2cn95mE9Y6jd9UVh1HWb6rm1A4hnUuOJazN83KefE2qsx/w+NwBshtyqhH7pLc/c+Hy7SZrO/Ab+RiBtCIgAA&quot;"/>
     <we:property name="isFiltersActionButtonVisible" value="true"/>
+    <we:property name="isFooterCollapsed" value="true"/>
     <we:property name="isVisualContainerHeaderHidden" value="false"/>
     <we:property name="pageDisplayName" value="&quot;Page 1&quot;"/>
     <we:property name="pageName" value="&quot;687442076bbb10e98623&quot;"/>
@@ -5198,7 +5197,6 @@
     <we:property name="reportName" value="&quot;dash3-3&quot;"/>
     <we:property name="reportState" value="&quot;CONNECTED&quot;"/>
     <we:property name="reportUrl" value="&quot;/groups/me/reports/4e95b82e-3773-43fd-92bb-81e99231a394/687442076bbb10e98623?bookmarkGuid=538907f7-4830-4480-a086-2bac5e129bad&amp;bookmarkUsage=1&amp;ctid=3ded8b1b-070d-4629-82e4-c0b019f46057&amp;fromEntryPoint=export&quot;"/>
-    <we:property name="isFooterCollapsed" value="true"/>
   </we:properties>
   <we:bindings/>
   <we:snapshot xmlns:r="http://schemas.openxmlformats.org/officeDocument/2006/relationships"/>
